--- a/activities/Epidemic_Cards_Activity/Epidemic_Cards_HowTo.pptx
+++ b/activities/Epidemic_Cards_Activity/Epidemic_Cards_HowTo.pptx
@@ -229,7 +229,7 @@
           <a:p>
             <a:fld id="{6234BAAF-323D-374D-AAE5-2315BF8E0FA9}" type="datetimeFigureOut">
               <a:rPr lang="en-US" smtClean="0"/>
-              <a:t>12/11/22</a:t>
+              <a:t>1/9/24</a:t>
             </a:fld>
             <a:endParaRPr lang="en-US"/>
           </a:p>
@@ -1030,7 +1030,7 @@
           <a:p>
             <a:fld id="{56B5A907-E1AA-2742-961A-ACDD5E24A17F}" type="datetimeFigureOut">
               <a:rPr lang="en-US" smtClean="0"/>
-              <a:t>12/11/22</a:t>
+              <a:t>1/9/24</a:t>
             </a:fld>
             <a:endParaRPr lang="en-US"/>
           </a:p>
@@ -1198,7 +1198,7 @@
           <a:p>
             <a:fld id="{56B5A907-E1AA-2742-961A-ACDD5E24A17F}" type="datetimeFigureOut">
               <a:rPr lang="en-US" smtClean="0"/>
-              <a:t>12/11/22</a:t>
+              <a:t>1/9/24</a:t>
             </a:fld>
             <a:endParaRPr lang="en-US"/>
           </a:p>
@@ -1376,7 +1376,7 @@
           <a:p>
             <a:fld id="{56B5A907-E1AA-2742-961A-ACDD5E24A17F}" type="datetimeFigureOut">
               <a:rPr lang="en-US" smtClean="0"/>
-              <a:t>12/11/22</a:t>
+              <a:t>1/9/24</a:t>
             </a:fld>
             <a:endParaRPr lang="en-US"/>
           </a:p>
@@ -1544,7 +1544,7 @@
           <a:p>
             <a:fld id="{56B5A907-E1AA-2742-961A-ACDD5E24A17F}" type="datetimeFigureOut">
               <a:rPr lang="en-US" smtClean="0"/>
-              <a:t>12/11/22</a:t>
+              <a:t>1/9/24</a:t>
             </a:fld>
             <a:endParaRPr lang="en-US"/>
           </a:p>
@@ -1789,7 +1789,7 @@
           <a:p>
             <a:fld id="{56B5A907-E1AA-2742-961A-ACDD5E24A17F}" type="datetimeFigureOut">
               <a:rPr lang="en-US" smtClean="0"/>
-              <a:t>12/11/22</a:t>
+              <a:t>1/9/24</a:t>
             </a:fld>
             <a:endParaRPr lang="en-US"/>
           </a:p>
@@ -2074,7 +2074,7 @@
           <a:p>
             <a:fld id="{56B5A907-E1AA-2742-961A-ACDD5E24A17F}" type="datetimeFigureOut">
               <a:rPr lang="en-US" smtClean="0"/>
-              <a:t>12/11/22</a:t>
+              <a:t>1/9/24</a:t>
             </a:fld>
             <a:endParaRPr lang="en-US"/>
           </a:p>
@@ -2493,7 +2493,7 @@
           <a:p>
             <a:fld id="{56B5A907-E1AA-2742-961A-ACDD5E24A17F}" type="datetimeFigureOut">
               <a:rPr lang="en-US" smtClean="0"/>
-              <a:t>12/11/22</a:t>
+              <a:t>1/9/24</a:t>
             </a:fld>
             <a:endParaRPr lang="en-US"/>
           </a:p>
@@ -2610,7 +2610,7 @@
           <a:p>
             <a:fld id="{56B5A907-E1AA-2742-961A-ACDD5E24A17F}" type="datetimeFigureOut">
               <a:rPr lang="en-US" smtClean="0"/>
-              <a:t>12/11/22</a:t>
+              <a:t>1/9/24</a:t>
             </a:fld>
             <a:endParaRPr lang="en-US"/>
           </a:p>
@@ -2705,7 +2705,7 @@
           <a:p>
             <a:fld id="{56B5A907-E1AA-2742-961A-ACDD5E24A17F}" type="datetimeFigureOut">
               <a:rPr lang="en-US" smtClean="0"/>
-              <a:t>12/11/22</a:t>
+              <a:t>1/9/24</a:t>
             </a:fld>
             <a:endParaRPr lang="en-US"/>
           </a:p>
@@ -2980,7 +2980,7 @@
           <a:p>
             <a:fld id="{56B5A907-E1AA-2742-961A-ACDD5E24A17F}" type="datetimeFigureOut">
               <a:rPr lang="en-US" smtClean="0"/>
-              <a:t>12/11/22</a:t>
+              <a:t>1/9/24</a:t>
             </a:fld>
             <a:endParaRPr lang="en-US"/>
           </a:p>
@@ -3232,7 +3232,7 @@
           <a:p>
             <a:fld id="{56B5A907-E1AA-2742-961A-ACDD5E24A17F}" type="datetimeFigureOut">
               <a:rPr lang="en-US" smtClean="0"/>
-              <a:t>12/11/22</a:t>
+              <a:t>1/9/24</a:t>
             </a:fld>
             <a:endParaRPr lang="en-US"/>
           </a:p>
@@ -3443,7 +3443,7 @@
           <a:p>
             <a:fld id="{56B5A907-E1AA-2742-961A-ACDD5E24A17F}" type="datetimeFigureOut">
               <a:rPr lang="en-US" smtClean="0"/>
-              <a:t>12/11/22</a:t>
+              <a:t>1/9/24</a:t>
             </a:fld>
             <a:endParaRPr lang="en-US"/>
           </a:p>
@@ -3841,63 +3841,6 @@
             <a:r>
               <a:rPr lang="en-US" dirty="0"/>
               <a:t>Epidemic Cards</a:t>
-            </a:r>
-          </a:p>
-        </p:txBody>
-      </p:sp>
-      <p:sp>
-        <p:nvSpPr>
-          <p:cNvPr id="3" name="Subtitle 2"/>
-          <p:cNvSpPr>
-            <a:spLocks noGrp="1"/>
-          </p:cNvSpPr>
-          <p:nvPr>
-            <p:ph type="subTitle" idx="1"/>
-          </p:nvPr>
-        </p:nvSpPr>
-        <p:spPr>
-          <a:xfrm>
-            <a:off x="1371600" y="5036553"/>
-            <a:ext cx="6400800" cy="1140339"/>
-          </a:xfrm>
-        </p:spPr>
-        <p:txBody>
-          <a:bodyPr>
-            <a:noAutofit/>
-          </a:bodyPr>
-          <a:lstStyle/>
-          <a:p>
-            <a:r>
-              <a:rPr lang="en-US" sz="2400" dirty="0"/>
-              <a:t>E</a:t>
-            </a:r>
-            <a:r>
-              <a:rPr lang="en-US" sz="2400" baseline="30000" dirty="0"/>
-              <a:t>2</a:t>
-            </a:r>
-            <a:r>
-              <a:rPr lang="en-US" sz="2400" dirty="0"/>
-              <a:t>M</a:t>
-            </a:r>
-            <a:r>
-              <a:rPr lang="en-US" sz="2400" baseline="30000" dirty="0"/>
-              <a:t>2</a:t>
-            </a:r>
-          </a:p>
-          <a:p>
-            <a:r>
-              <a:rPr lang="en-US" sz="2400" dirty="0" err="1"/>
-              <a:t>Ranomafana</a:t>
-            </a:r>
-            <a:r>
-              <a:rPr lang="en-US" sz="2400" dirty="0"/>
-              <a:t>, Madagascar</a:t>
-            </a:r>
-          </a:p>
-          <a:p>
-            <a:r>
-              <a:rPr lang="en-US" sz="2400"/>
-              <a:t>January 2020</a:t>
             </a:r>
           </a:p>
         </p:txBody>
